--- a/Capstone Final Presentation.pptx
+++ b/Capstone Final Presentation.pptx
@@ -454,38 +454,37 @@
           <a:p>
             <a:pPr lvl="0"/>
             <a:r>
-              <a:rPr lang="en-US" smtClean="0"/>
+              <a:rPr lang="en-US"/>
               <a:t>Click to edit Master text styles</a:t>
             </a:r>
           </a:p>
           <a:p>
             <a:pPr lvl="1"/>
             <a:r>
-              <a:rPr lang="en-US" smtClean="0"/>
+              <a:rPr lang="en-US"/>
               <a:t>Second level</a:t>
             </a:r>
           </a:p>
           <a:p>
             <a:pPr lvl="2"/>
             <a:r>
-              <a:rPr lang="en-US" smtClean="0"/>
+              <a:rPr lang="en-US"/>
               <a:t>Third level</a:t>
             </a:r>
           </a:p>
           <a:p>
             <a:pPr lvl="3"/>
             <a:r>
-              <a:rPr lang="en-US" smtClean="0"/>
+              <a:rPr lang="en-US"/>
               <a:t>Fourth level</a:t>
             </a:r>
           </a:p>
           <a:p>
             <a:pPr lvl="4"/>
             <a:r>
-              <a:rPr lang="en-US" smtClean="0"/>
+              <a:rPr lang="en-US"/>
               <a:t>Fifth level</a:t>
             </a:r>
-            <a:endParaRPr lang="en-US"/>
           </a:p>
         </p:txBody>
       </p:sp>
@@ -4419,12 +4418,8 @@
           <a:lstStyle/>
           <a:p>
             <a:r>
-              <a:rPr lang="en-US" dirty="0" smtClean="0"/>
-              <a:t>I-40/CC </a:t>
-            </a:r>
-            <a:r>
               <a:rPr lang="en-US" dirty="0"/>
-              <a:t>On Ramp</a:t>
+              <a:t>I-40/CC On Ramp</a:t>
             </a:r>
           </a:p>
         </p:txBody>
@@ -4559,13 +4554,6 @@
   <p:clrMapOvr>
     <a:masterClrMapping/>
   </p:clrMapOvr>
-  <p:timing>
-    <p:tnLst>
-      <p:par>
-        <p:cTn id="1" dur="indefinite" restart="never" nodeType="tmRoot"/>
-      </p:par>
-    </p:tnLst>
-  </p:timing>
 </p:sld>
 </file>
 
@@ -4675,9 +4663,9 @@
           <a:stretch/>
         </p:blipFill>
         <p:spPr>
-          <a:xfrm rot="5400000">
-            <a:off x="2830468" y="-2793892"/>
-            <a:ext cx="6567639" cy="12155425"/>
+          <a:xfrm>
+            <a:off x="0" y="1"/>
+            <a:ext cx="12192000" cy="6858000"/>
           </a:xfrm>
           <a:prstGeom prst="rect">
             <a:avLst/>
@@ -4779,13 +4767,6 @@
   <p:clrMapOvr>
     <a:masterClrMapping/>
   </p:clrMapOvr>
-  <p:timing>
-    <p:tnLst>
-      <p:par>
-        <p:cTn id="1" dur="indefinite" restart="never" nodeType="tmRoot"/>
-      </p:par>
-    </p:tnLst>
-  </p:timing>
 </p:sld>
 </file>
 
@@ -7960,14 +7941,14 @@
           <a:effectLst/>
           <a:extLst>
             <a:ext uri="{909E8E84-426E-40dd-AFC4-6F175D3DCCD1}">
-              <a14:hiddenFill xmlns:a14="http://schemas.microsoft.com/office/drawing/2010/main" xmlns="">
+              <a14:hiddenFill xmlns="" xmlns:a14="http://schemas.microsoft.com/office/drawing/2010/main">
                 <a:solidFill>
                   <a:schemeClr val="accent1"/>
                 </a:solidFill>
               </a14:hiddenFill>
             </a:ext>
             <a:ext uri="{91240B29-F687-4f45-9708-019B960494DF}">
-              <a14:hiddenLine xmlns:a14="http://schemas.microsoft.com/office/drawing/2010/main" xmlns="" w="9525">
+              <a14:hiddenLine xmlns="" xmlns:a14="http://schemas.microsoft.com/office/drawing/2010/main" w="9525">
                 <a:solidFill>
                   <a:schemeClr val="tx1"/>
                 </a:solidFill>
@@ -7977,7 +7958,7 @@
               </a14:hiddenLine>
             </a:ext>
             <a:ext uri="{AF507438-7753-43e0-B8FC-AC1667EBCBE1}">
-              <a14:hiddenEffects xmlns:a14="http://schemas.microsoft.com/office/drawing/2010/main" xmlns="">
+              <a14:hiddenEffects xmlns="" xmlns:a14="http://schemas.microsoft.com/office/drawing/2010/main">
                 <a:effectLst>
                   <a:outerShdw dist="35921" dir="2700000" algn="ctr" rotWithShape="0">
                     <a:schemeClr val="bg2"/>
@@ -8033,13 +8014,6 @@
   <p:clrMapOvr>
     <a:masterClrMapping/>
   </p:clrMapOvr>
-  <p:timing>
-    <p:tnLst>
-      <p:par>
-        <p:cTn id="1" dur="indefinite" restart="never" nodeType="tmRoot"/>
-      </p:par>
-    </p:tnLst>
-  </p:timing>
 </p:sld>
 </file>
 
@@ -8138,10 +8112,6 @@
             <a:pPr marL="0" indent="0">
               <a:buNone/>
             </a:pPr>
-            <a:r>
-              <a:rPr lang="en-US" dirty="0"/>
-              <a:t/>
-            </a:r>
             <a:br>
               <a:rPr lang="en-US" dirty="0"/>
             </a:br>
@@ -10771,14 +10741,14 @@
           <a:effectLst/>
           <a:extLst>
             <a:ext uri="{909E8E84-426E-40dd-AFC4-6F175D3DCCD1}">
-              <a14:hiddenFill xmlns:a14="http://schemas.microsoft.com/office/drawing/2010/main" xmlns="">
+              <a14:hiddenFill xmlns="" xmlns:a14="http://schemas.microsoft.com/office/drawing/2010/main">
                 <a:solidFill>
                   <a:schemeClr val="accent1"/>
                 </a:solidFill>
               </a14:hiddenFill>
             </a:ext>
             <a:ext uri="{91240B29-F687-4f45-9708-019B960494DF}">
-              <a14:hiddenLine xmlns:a14="http://schemas.microsoft.com/office/drawing/2010/main" xmlns="" w="9525">
+              <a14:hiddenLine xmlns="" xmlns:a14="http://schemas.microsoft.com/office/drawing/2010/main" w="9525">
                 <a:solidFill>
                   <a:schemeClr val="tx1"/>
                 </a:solidFill>
@@ -10788,7 +10758,7 @@
               </a14:hiddenLine>
             </a:ext>
             <a:ext uri="{AF507438-7753-43e0-B8FC-AC1667EBCBE1}">
-              <a14:hiddenEffects xmlns:a14="http://schemas.microsoft.com/office/drawing/2010/main" xmlns="">
+              <a14:hiddenEffects xmlns="" xmlns:a14="http://schemas.microsoft.com/office/drawing/2010/main">
                 <a:effectLst>
                   <a:outerShdw dist="35921" dir="2700000" algn="ctr" rotWithShape="0">
                     <a:schemeClr val="bg2"/>
@@ -10844,13 +10814,6 @@
   <p:clrMapOvr>
     <a:masterClrMapping/>
   </p:clrMapOvr>
-  <p:timing>
-    <p:tnLst>
-      <p:par>
-        <p:cTn id="1" dur="indefinite" restart="never" nodeType="tmRoot"/>
-      </p:par>
-    </p:tnLst>
-  </p:timing>
 </p:sld>
 </file>
 
@@ -11000,13 +10963,6 @@
   <p:clrMapOvr>
     <a:masterClrMapping/>
   </p:clrMapOvr>
-  <p:timing>
-    <p:tnLst>
-      <p:par>
-        <p:cTn id="1" dur="indefinite" restart="never" nodeType="tmRoot"/>
-      </p:par>
-    </p:tnLst>
-  </p:timing>
 </p:sld>
 </file>
 
@@ -11082,13 +11038,6 @@
   <p:clrMapOvr>
     <a:masterClrMapping/>
   </p:clrMapOvr>
-  <p:timing>
-    <p:tnLst>
-      <p:par>
-        <p:cTn id="1" dur="indefinite" restart="never" nodeType="tmRoot"/>
-      </p:par>
-    </p:tnLst>
-  </p:timing>
 </p:sld>
 </file>
 
@@ -11162,13 +11111,8 @@
           <a:p>
             <a:r>
               <a:rPr lang="en-US" sz="2600" dirty="0"/>
-              <a:t>One </a:t>
-            </a:r>
-            <a:r>
-              <a:rPr lang="en-US" sz="2600" dirty="0" smtClean="0"/>
-              <a:t>Southbound entrance onto I-40 westbound</a:t>
-            </a:r>
-            <a:endParaRPr lang="en-US" sz="2600" dirty="0"/>
+              <a:t>One Southbound entrance onto I-40 westbound</a:t>
+            </a:r>
           </a:p>
           <a:p>
             <a:r>
@@ -11222,7 +11166,7 @@
           <a:noFill/>
           <a:extLst>
             <a:ext uri="{909E8E84-426E-40dd-AFC4-6F175D3DCCD1}">
-              <a14:hiddenFill xmlns:a14="http://schemas.microsoft.com/office/drawing/2010/main" xmlns="">
+              <a14:hiddenFill xmlns="" xmlns:a14="http://schemas.microsoft.com/office/drawing/2010/main">
                 <a:solidFill>
                   <a:srgbClr val="FFFFFF"/>
                 </a:solidFill>
@@ -11326,13 +11270,6 @@
   <p:clrMapOvr>
     <a:masterClrMapping/>
   </p:clrMapOvr>
-  <p:timing>
-    <p:tnLst>
-      <p:par>
-        <p:cTn id="1" dur="indefinite" restart="never" nodeType="tmRoot"/>
-      </p:par>
-    </p:tnLst>
-  </p:timing>
 </p:sld>
 </file>
 
@@ -11411,7 +11348,7 @@
               <a:t>Nate </a:t>
             </a:r>
             <a:r>
-              <a:rPr lang="en-US" sz="2600" dirty="0" err="1" smtClean="0"/>
+              <a:rPr lang="en-US" sz="2600" dirty="0" err="1"/>
               <a:t>Reisner</a:t>
             </a:r>
             <a:r>
@@ -11466,7 +11403,7 @@
           <a:noFill/>
           <a:extLst>
             <a:ext uri="{909E8E84-426E-40dd-AFC4-6F175D3DCCD1}">
-              <a14:hiddenFill xmlns:a14="http://schemas.microsoft.com/office/drawing/2010/main" xmlns="">
+              <a14:hiddenFill xmlns="" xmlns:a14="http://schemas.microsoft.com/office/drawing/2010/main">
                 <a:solidFill>
                   <a:srgbClr val="FFFFFF"/>
                 </a:solidFill>
@@ -11692,16 +11629,8 @@
               <a:buNone/>
             </a:pPr>
             <a:r>
-              <a:rPr lang="en-US" dirty="0" smtClean="0"/>
-              <a:t>(Source</a:t>
-            </a:r>
-            <a:r>
               <a:rPr lang="en-US" dirty="0"/>
-              <a:t>: </a:t>
-            </a:r>
-            <a:r>
-              <a:rPr lang="en-US" dirty="0" smtClean="0"/>
-              <a:t>Wikipedia)</a:t>
+              <a:t>(Source: Wikipedia)</a:t>
             </a:r>
             <a:endParaRPr lang="en-US" sz="2600" dirty="0"/>
           </a:p>
@@ -11740,13 +11669,6 @@
   <p:clrMapOvr>
     <a:masterClrMapping/>
   </p:clrMapOvr>
-  <p:timing>
-    <p:tnLst>
-      <p:par>
-        <p:cTn id="1" dur="indefinite" restart="never" nodeType="tmRoot"/>
-      </p:par>
-    </p:tnLst>
-  </p:timing>
 </p:sld>
 </file>
 
@@ -11914,20 +11836,14 @@
               <a:t>Figure 1-2: State of Arizona with Project Location (</a:t>
             </a:r>
             <a:r>
-              <a:rPr lang="en-US" dirty="0" smtClean="0"/>
+              <a:rPr lang="en-US" dirty="0"/>
               <a:t>www.mapsoftheworld.com</a:t>
-            </a:r>
-            <a:r>
-              <a:rPr lang="en-US" dirty="0" smtClean="0">
-                <a:latin typeface="Arial" panose="020B0604020202020204" pitchFamily="34" charset="0"/>
-              </a:rPr>
-              <a:t>, 1</a:t>
             </a:r>
             <a:r>
               <a:rPr lang="en-US" dirty="0">
                 <a:latin typeface="Arial" panose="020B0604020202020204" pitchFamily="34" charset="0"/>
               </a:rPr>
-              <a:t>” = 80 miles)</a:t>
+              <a:t>, 1” = 80 miles)</a:t>
             </a:r>
             <a:endParaRPr lang="en-US" dirty="0"/>
           </a:p>
@@ -12121,10 +12037,9 @@
           <a:lstStyle/>
           <a:p>
             <a:r>
-              <a:rPr lang="en-US" sz="1400" dirty="0" smtClean="0"/>
+              <a:rPr lang="en-US" sz="1400" dirty="0"/>
               <a:t>I-40</a:t>
             </a:r>
-            <a:endParaRPr lang="en-US" sz="1400" dirty="0"/>
           </a:p>
         </p:txBody>
       </p:sp>
@@ -12153,14 +12068,13 @@
           <a:lstStyle/>
           <a:p>
             <a:r>
-              <a:rPr lang="en-US" sz="1400" dirty="0" smtClean="0"/>
+              <a:rPr lang="en-US" sz="1400" dirty="0"/>
               <a:t>N Country Club Dr</a:t>
             </a:r>
             <a:r>
-              <a:rPr lang="en-US" dirty="0" smtClean="0"/>
+              <a:rPr lang="en-US" dirty="0"/>
               <a:t>.</a:t>
             </a:r>
-            <a:endParaRPr lang="en-US" dirty="0"/>
           </a:p>
         </p:txBody>
       </p:sp>
@@ -12174,13 +12088,6 @@
   <p:clrMapOvr>
     <a:masterClrMapping/>
   </p:clrMapOvr>
-  <p:timing>
-    <p:tnLst>
-      <p:par>
-        <p:cTn id="1" dur="indefinite" restart="never" nodeType="tmRoot"/>
-      </p:par>
-    </p:tnLst>
-  </p:timing>
 </p:sld>
 </file>
 
@@ -12272,29 +12179,13 @@
           <a:p>
             <a:r>
               <a:rPr lang="en-US" sz="2600" dirty="0"/>
-              <a:t>1.4 </a:t>
-            </a:r>
-            <a:r>
-              <a:rPr lang="en-US" sz="2600" dirty="0" smtClean="0"/>
-              <a:t>Existing </a:t>
-            </a:r>
+              <a:t>1.4 Existing Runoff Calculations</a:t>
+            </a:r>
+          </a:p>
+          <a:p>
             <a:r>
               <a:rPr lang="en-US" sz="2600" dirty="0"/>
-              <a:t>Runoff </a:t>
-            </a:r>
-            <a:r>
-              <a:rPr lang="en-US" sz="2600" dirty="0" smtClean="0"/>
-              <a:t>Calculations</a:t>
-            </a:r>
-          </a:p>
-          <a:p>
-            <a:r>
-              <a:rPr lang="en-US" sz="2600" dirty="0" smtClean="0"/>
-              <a:t>1.5 </a:t>
-            </a:r>
-            <a:r>
-              <a:rPr lang="en-US" sz="2600" dirty="0"/>
-              <a:t>Obtain and Analyze Geotechnical data from ADOT</a:t>
+              <a:t>1.5 Obtain and Analyze Geotechnical data from ADOT</a:t>
             </a:r>
           </a:p>
           <a:p>
@@ -12350,13 +12241,6 @@
   <p:clrMapOvr>
     <a:masterClrMapping/>
   </p:clrMapOvr>
-  <p:timing>
-    <p:tnLst>
-      <p:par>
-        <p:cTn id="1" dur="indefinite" restart="never" nodeType="tmRoot"/>
-      </p:par>
-    </p:tnLst>
-  </p:timing>
 </p:sld>
 </file>
 
@@ -12473,30 +12357,20 @@
           <a:p>
             <a:r>
               <a:rPr lang="en-US" sz="2600" dirty="0"/>
-              <a:t>2.5 </a:t>
-            </a:r>
-            <a:r>
-              <a:rPr lang="en-US" sz="2600" dirty="0" smtClean="0"/>
-              <a:t>Stormwater Pollution Prevention Control Plan</a:t>
-            </a:r>
-            <a:endParaRPr lang="en-US" sz="2600" dirty="0"/>
+              <a:t>2.5 Stormwater Pollution Prevention Control Plan</a:t>
+            </a:r>
           </a:p>
           <a:p>
             <a:r>
               <a:rPr lang="en-US" sz="2600" dirty="0"/>
-              <a:t>2.6 </a:t>
-            </a:r>
-            <a:r>
-              <a:rPr lang="en-US" sz="2600" dirty="0" smtClean="0"/>
-              <a:t>Construction Plan Set</a:t>
-            </a:r>
-          </a:p>
-          <a:p>
-            <a:r>
-              <a:rPr lang="en-US" sz="2600" dirty="0" smtClean="0"/>
+              <a:t>2.6 Construction Plan Set</a:t>
+            </a:r>
+          </a:p>
+          <a:p>
+            <a:r>
+              <a:rPr lang="en-US" sz="2600" dirty="0"/>
               <a:t>2.7 Synchro Analysis and Traffic Analysis Recommendation</a:t>
             </a:r>
-            <a:endParaRPr lang="en-US" sz="2600" dirty="0"/>
           </a:p>
         </p:txBody>
       </p:sp>
@@ -12533,13 +12407,6 @@
   <p:clrMapOvr>
     <a:masterClrMapping/>
   </p:clrMapOvr>
-  <p:timing>
-    <p:tnLst>
-      <p:par>
-        <p:cTn id="1" dur="indefinite" restart="never" nodeType="tmRoot"/>
-      </p:par>
-    </p:tnLst>
-  </p:timing>
 </p:sld>
 </file>
 
@@ -12625,29 +12492,13 @@
           <a:p>
             <a:r>
               <a:rPr lang="en-US" sz="2600" dirty="0"/>
-              <a:t>3.3 90% Submittal (</a:t>
-            </a:r>
-            <a:r>
-              <a:rPr lang="en-US" sz="2600" dirty="0" smtClean="0"/>
-              <a:t>Tasks </a:t>
-            </a:r>
+              <a:t>3.3 90% Submittal (Tasks 2-4)</a:t>
+            </a:r>
+          </a:p>
+          <a:p>
             <a:r>
               <a:rPr lang="en-US" sz="2600" dirty="0"/>
-              <a:t>2-4)</a:t>
-            </a:r>
-          </a:p>
-          <a:p>
-            <a:r>
-              <a:rPr lang="en-US" sz="2600" dirty="0"/>
-              <a:t>3.4 Final Design Concept Report Submittal (</a:t>
-            </a:r>
-            <a:r>
-              <a:rPr lang="en-US" sz="2600" dirty="0" smtClean="0"/>
-              <a:t>Tasks </a:t>
-            </a:r>
-            <a:r>
-              <a:rPr lang="en-US" sz="2600" dirty="0"/>
-              <a:t>2-4)</a:t>
+              <a:t>3.4 Final Design Concept Report Submittal (Tasks 2-4)</a:t>
             </a:r>
           </a:p>
           <a:p>
@@ -12929,13 +12780,6 @@
   <p:clrMapOvr>
     <a:masterClrMapping/>
   </p:clrMapOvr>
-  <p:timing>
-    <p:tnLst>
-      <p:par>
-        <p:cTn id="1" dur="indefinite" restart="never" nodeType="tmRoot"/>
-      </p:par>
-    </p:tnLst>
-  </p:timing>
 </p:sld>
 </file>
 
@@ -12973,13 +12817,8 @@
           <a:p>
             <a:r>
               <a:rPr lang="en-US" dirty="0"/>
-              <a:t>Task 5: Project </a:t>
-            </a:r>
-            <a:r>
-              <a:rPr lang="en-US" dirty="0" smtClean="0"/>
-              <a:t>Management</a:t>
-            </a:r>
-            <a:endParaRPr lang="en-US" dirty="0"/>
+              <a:t>Task 5: Project Management</a:t>
+            </a:r>
           </a:p>
         </p:txBody>
       </p:sp>
@@ -13075,13 +12914,6 @@
   <p:clrMapOvr>
     <a:masterClrMapping/>
   </p:clrMapOvr>
-  <p:timing>
-    <p:tnLst>
-      <p:par>
-        <p:cTn id="1" dur="indefinite" restart="never" nodeType="tmRoot"/>
-      </p:par>
-    </p:tnLst>
-  </p:timing>
 </p:sld>
 </file>
 
@@ -13166,31 +12998,26 @@
           <a:p>
             <a:r>
               <a:rPr lang="en-US" sz="2600" dirty="0"/>
-              <a:t>Traffic Signal </a:t>
-            </a:r>
-            <a:r>
-              <a:rPr lang="en-US" sz="2600" dirty="0" smtClean="0"/>
-              <a:t>Planning</a:t>
-            </a:r>
-          </a:p>
-          <a:p>
-            <a:r>
-              <a:rPr lang="en-US" sz="2600" dirty="0" smtClean="0"/>
+              <a:t>Traffic Signal Planning</a:t>
+            </a:r>
+          </a:p>
+          <a:p>
+            <a:r>
+              <a:rPr lang="en-US" sz="2600" dirty="0"/>
               <a:t>Environmental Permits / Mitigation Measures</a:t>
             </a:r>
           </a:p>
           <a:p>
             <a:r>
-              <a:rPr lang="en-US" sz="2600" dirty="0" smtClean="0"/>
+              <a:rPr lang="en-US" sz="2600" dirty="0"/>
               <a:t>Bridge Design</a:t>
             </a:r>
           </a:p>
           <a:p>
             <a:r>
-              <a:rPr lang="en-US" sz="2600" dirty="0" smtClean="0"/>
+              <a:rPr lang="en-US" sz="2600" dirty="0"/>
               <a:t>New Drainage Infrastructure Design</a:t>
             </a:r>
-            <a:endParaRPr lang="en-US" sz="2600" dirty="0"/>
           </a:p>
         </p:txBody>
       </p:sp>
@@ -13227,13 +13054,6 @@
   <p:clrMapOvr>
     <a:masterClrMapping/>
   </p:clrMapOvr>
-  <p:timing>
-    <p:tnLst>
-      <p:par>
-        <p:cTn id="1" dur="indefinite" restart="never" nodeType="tmRoot"/>
-      </p:par>
-    </p:tnLst>
-  </p:timing>
 </p:sld>
 </file>
 
